--- a/docs/Fix-Politics-Aug10.pptx
+++ b/docs/Fix-Politics-Aug10.pptx
@@ -5,18 +5,18 @@
     <p:sldMasterId id="2147483648" r:id="rId1"/>
   </p:sldMasterIdLst>
   <p:notesMasterIdLst>
-    <p:notesMasterId r:id="rId11"/>
+    <p:notesMasterId r:id="rId12"/>
   </p:notesMasterIdLst>
   <p:sldIdLst>
-    <p:sldId id="256" r:id="rId2"/>
-    <p:sldId id="260" r:id="rId3"/>
-    <p:sldId id="261" r:id="rId4"/>
-    <p:sldId id="263" r:id="rId5"/>
-    <p:sldId id="257" r:id="rId6"/>
-    <p:sldId id="266" r:id="rId7"/>
-    <p:sldId id="259" r:id="rId8"/>
-    <p:sldId id="264" r:id="rId9"/>
-    <p:sldId id="258" r:id="rId10"/>
+    <p:sldId id="256" r:id="rId3"/>
+    <p:sldId id="260" r:id="rId4"/>
+    <p:sldId id="261" r:id="rId5"/>
+    <p:sldId id="263" r:id="rId6"/>
+    <p:sldId id="257" r:id="rId7"/>
+    <p:sldId id="266" r:id="rId8"/>
+    <p:sldId id="259" r:id="rId9"/>
+    <p:sldId id="264" r:id="rId10"/>
+    <p:sldId id="258" r:id="rId11"/>
   </p:sldIdLst>
   <p:sldSz cx="12192000" cy="6858000"/>
   <p:notesSz cx="6858000" cy="9144000"/>
@@ -115,11 +115,6 @@
       </a:defRPr>
     </a:lvl9pPr>
   </p:defaultTextStyle>
-  <p:extLst>
-    <p:ext uri="{EFAFB233-063F-42B5-8137-9DF3F51BA10A}">
-      <p15:sldGuideLst xmlns:p15="http://schemas.microsoft.com/office/powerpoint/2012/main"/>
-    </p:ext>
-  </p:extLst>
 </p:presentation>
 </file>
 
@@ -205,7 +200,6 @@
           <a:p>
             <a:fld id="{9F31221A-542D-9443-8954-D02697DC0401}" type="datetimeFigureOut">
               <a:rPr lang="en-US" smtClean="0"/>
-              <a:t>8/10/2020</a:t>
             </a:fld>
             <a:endParaRPr lang="en-US"/>
           </a:p>
@@ -272,6 +266,7 @@
               <a:rPr lang="en-US"/>
               <a:t>Click to edit Master text styles</a:t>
             </a:r>
+            <a:endParaRPr lang="en-US"/>
           </a:p>
           <a:p>
             <a:pPr lvl="1"/>
@@ -279,6 +274,7 @@
               <a:rPr lang="en-US"/>
               <a:t>Second level</a:t>
             </a:r>
+            <a:endParaRPr lang="en-US"/>
           </a:p>
           <a:p>
             <a:pPr lvl="2"/>
@@ -286,6 +282,7 @@
               <a:rPr lang="en-US"/>
               <a:t>Third level</a:t>
             </a:r>
+            <a:endParaRPr lang="en-US"/>
           </a:p>
           <a:p>
             <a:pPr lvl="3"/>
@@ -293,6 +290,7 @@
               <a:rPr lang="en-US"/>
               <a:t>Fourth level</a:t>
             </a:r>
+            <a:endParaRPr lang="en-US"/>
           </a:p>
           <a:p>
             <a:pPr lvl="4"/>
@@ -300,6 +298,7 @@
               <a:rPr lang="en-US"/>
               <a:t>Fifth level</a:t>
             </a:r>
+            <a:endParaRPr lang="en-US"/>
           </a:p>
         </p:txBody>
       </p:sp>
@@ -363,7 +362,6 @@
           <a:p>
             <a:fld id="{7C6A98DC-948B-B34E-B200-3F891AE16175}" type="slidenum">
               <a:rPr lang="en-US" smtClean="0"/>
-              <a:t>‹#›</a:t>
             </a:fld>
             <a:endParaRPr lang="en-US"/>
           </a:p>
@@ -522,6 +520,7 @@
               <a:rPr lang="en-US"/>
               <a:t>Click to edit Master title style</a:t>
             </a:r>
+            <a:endParaRPr lang="en-US"/>
           </a:p>
         </p:txBody>
       </p:sp>
@@ -586,6 +585,7 @@
               <a:rPr lang="en-US"/>
               <a:t>Click to edit Master subtitle style</a:t>
             </a:r>
+            <a:endParaRPr lang="en-US"/>
           </a:p>
         </p:txBody>
       </p:sp>
@@ -622,7 +622,6 @@
           <a:p>
             <a:fld id="{9161CE87-EC62-414E-B1E6-581F5896EDC6}" type="datetime4">
               <a:rPr lang="en-US" smtClean="0"/>
-              <a:t>August 10, 2020</a:t>
             </a:fld>
             <a:endParaRPr lang="en-US" dirty="0"/>
           </a:p>
@@ -645,7 +644,6 @@
           <a:p>
             <a:fld id="{567255F2-7D95-6D4F-8D41-D42AD07F8CE5}" type="slidenum">
               <a:rPr lang="en-US" smtClean="0"/>
-              <a:t>‹#›</a:t>
             </a:fld>
             <a:endParaRPr lang="en-US"/>
           </a:p>
@@ -753,6 +751,7 @@
               <a:rPr lang="en-US" dirty="0"/>
               <a:t>Click to edit Master title style</a:t>
             </a:r>
+            <a:endParaRPr lang="en-US" dirty="0"/>
           </a:p>
         </p:txBody>
       </p:sp>
@@ -781,7 +780,6 @@
           <a:p>
             <a:fld id="{567255F2-7D95-6D4F-8D41-D42AD07F8CE5}" type="slidenum">
               <a:rPr lang="en-US" smtClean="0"/>
-              <a:t>‹#›</a:t>
             </a:fld>
             <a:endParaRPr lang="en-US" dirty="0"/>
           </a:p>
@@ -889,6 +887,7 @@
               <a:rPr lang="en-US" dirty="0"/>
               <a:t>Click to edit Master title style</a:t>
             </a:r>
+            <a:endParaRPr lang="en-US" dirty="0"/>
           </a:p>
         </p:txBody>
       </p:sp>
@@ -917,7 +916,6 @@
           <a:p>
             <a:fld id="{567255F2-7D95-6D4F-8D41-D42AD07F8CE5}" type="slidenum">
               <a:rPr lang="en-US" smtClean="0"/>
-              <a:t>‹#›</a:t>
             </a:fld>
             <a:endParaRPr lang="en-US" dirty="0"/>
           </a:p>
@@ -1117,6 +1115,7 @@
               <a:rPr lang="en-US" dirty="0"/>
               <a:t>Click to edit Master title style</a:t>
             </a:r>
+            <a:endParaRPr lang="en-US" dirty="0"/>
           </a:p>
         </p:txBody>
       </p:sp>
@@ -1145,8 +1144,6 @@
           <a:p>
             <a:fld id="{567255F2-7D95-6D4F-8D41-D42AD07F8CE5}" type="slidenum">
               <a:rPr lang="en-US" smtClean="0"/>
-              <a:pPr/>
-              <a:t>‹#›</a:t>
             </a:fld>
             <a:endParaRPr lang="en-US" dirty="0"/>
           </a:p>
@@ -1154,13 +1151,7 @@
       </p:sp>
       <p:sp>
         <p:nvSpPr>
-          <p:cNvPr id="7" name="Rectangle 6">
-            <a:extLst>
-              <a:ext uri="{FF2B5EF4-FFF2-40B4-BE49-F238E27FC236}">
-                <a16:creationId xmlns:a16="http://schemas.microsoft.com/office/drawing/2014/main" id="{B927EDED-D48E-44A7-956D-6F3321721986}"/>
-              </a:ext>
-            </a:extLst>
-          </p:cNvPr>
+          <p:cNvPr id="7" name="Rectangle 6"/>
           <p:cNvSpPr/>
           <p:nvPr userDrawn="1"/>
         </p:nvSpPr>
@@ -1208,11 +1199,6 @@
         </p:txBody>
       </p:sp>
     </p:spTree>
-    <p:extLst>
-      <p:ext uri="{BB962C8B-B14F-4D97-AF65-F5344CB8AC3E}">
-        <p14:creationId xmlns:p14="http://schemas.microsoft.com/office/powerpoint/2010/main" val="3161909169"/>
-      </p:ext>
-    </p:extLst>
   </p:cSld>
   <p:clrMapOvr>
     <a:masterClrMapping/>
@@ -1349,6 +1335,7 @@
               <a:rPr lang="en-US" dirty="0"/>
               <a:t>Click to edit Master title style</a:t>
             </a:r>
+            <a:endParaRPr lang="en-US" dirty="0"/>
           </a:p>
         </p:txBody>
       </p:sp>
@@ -1377,7 +1364,6 @@
           <a:p>
             <a:fld id="{567255F2-7D95-6D4F-8D41-D42AD07F8CE5}" type="slidenum">
               <a:rPr lang="en-US" smtClean="0"/>
-              <a:t>‹#›</a:t>
             </a:fld>
             <a:endParaRPr lang="en-US" dirty="0"/>
           </a:p>
@@ -1447,6 +1433,7 @@
               <a:rPr lang="en-US"/>
               <a:t>Click to edit Master title style</a:t>
             </a:r>
+            <a:endParaRPr lang="en-US"/>
           </a:p>
         </p:txBody>
       </p:sp>
@@ -1480,6 +1467,7 @@
               <a:rPr lang="en-US"/>
               <a:t>Click to edit Master text styles</a:t>
             </a:r>
+            <a:endParaRPr lang="en-US"/>
           </a:p>
           <a:p>
             <a:pPr lvl="1"/>
@@ -1487,6 +1475,7 @@
               <a:rPr lang="en-US"/>
               <a:t>Second level</a:t>
             </a:r>
+            <a:endParaRPr lang="en-US"/>
           </a:p>
           <a:p>
             <a:pPr lvl="2"/>
@@ -1494,6 +1483,7 @@
               <a:rPr lang="en-US"/>
               <a:t>Third level</a:t>
             </a:r>
+            <a:endParaRPr lang="en-US"/>
           </a:p>
           <a:p>
             <a:pPr lvl="3"/>
@@ -1501,6 +1491,7 @@
               <a:rPr lang="en-US"/>
               <a:t>Fourth level</a:t>
             </a:r>
+            <a:endParaRPr lang="en-US"/>
           </a:p>
           <a:p>
             <a:pPr lvl="4"/>
@@ -1508,6 +1499,7 @@
               <a:rPr lang="en-US"/>
               <a:t>Fifth level</a:t>
             </a:r>
+            <a:endParaRPr lang="en-US"/>
           </a:p>
         </p:txBody>
       </p:sp>
@@ -1546,7 +1538,6 @@
           <a:p>
             <a:fld id="{567255F2-7D95-6D4F-8D41-D42AD07F8CE5}" type="slidenum">
               <a:rPr lang="en-US" smtClean="0"/>
-              <a:t>‹#›</a:t>
             </a:fld>
             <a:endParaRPr lang="en-US"/>
           </a:p>
@@ -1621,6 +1612,14 @@
               </a:rPr>
               <a:t>IBM Corporation © 2020</a:t>
             </a:r>
+            <a:endParaRPr lang="en-US" sz="1200" dirty="0">
+              <a:solidFill>
+                <a:schemeClr val="accent1">
+                  <a:lumMod val="20000"/>
+                  <a:lumOff val="80000"/>
+                </a:schemeClr>
+              </a:solidFill>
+            </a:endParaRPr>
           </a:p>
         </p:txBody>
       </p:sp>
@@ -1631,8 +1630,8 @@
     <p:sldLayoutId id="2147483649" r:id="rId1"/>
     <p:sldLayoutId id="2147483650" r:id="rId2"/>
     <p:sldLayoutId id="2147483651" r:id="rId3"/>
-    <p:sldLayoutId id="2147483653" r:id="rId4"/>
-    <p:sldLayoutId id="2147483652" r:id="rId5"/>
+    <p:sldLayoutId id="2147483652" r:id="rId4"/>
+    <p:sldLayoutId id="2147483653" r:id="rId5"/>
   </p:sldLayoutIdLst>
   <p:hf hdr="0"/>
   <p:txStyles>
@@ -1967,6 +1966,7 @@
               <a:rPr lang="en-US" dirty="0"/>
               <a:t>(race) Call for Code</a:t>
             </a:r>
+            <a:endParaRPr lang="en-US" dirty="0"/>
           </a:p>
         </p:txBody>
       </p:sp>
@@ -1991,10 +1991,11 @@
               <a:rPr lang="en-US" dirty="0"/>
               <a:t>August 10, 2020</a:t>
             </a:r>
+            <a:endParaRPr lang="en-US" dirty="0"/>
           </a:p>
           <a:p>
             <a:r>
-              <a:rPr lang="" altLang="en-US" dirty="0"/>
+              <a:rPr lang="en-US" altLang="en-US" dirty="0"/>
               <a:t>Nikhil Raja, Tony Pearson</a:t>
             </a:r>
             <a:r>
@@ -2006,7 +2007,15 @@
             </a:br>
             <a:r>
               <a:rPr lang="en-US" dirty="0"/>
-              <a:t>Oiza Dorgu, Lungelo Sikobi Jia Liang, Debra Scott, </a:t>
+              <a:t>Oiza Dorgu, Lungelo Sikobi</a:t>
+            </a:r>
+            <a:r>
+              <a:rPr lang="" altLang="en-US" dirty="0"/>
+              <a:t>,</a:t>
+            </a:r>
+            <a:r>
+              <a:rPr lang="en-US" dirty="0"/>
+              <a:t> Jia Liang, Debra Scott, </a:t>
             </a:r>
             <a:br>
               <a:rPr lang="en-US" dirty="0"/>
@@ -2015,6 +2024,7 @@
               <a:rPr lang="en-US" dirty="0"/>
               <a:t>Denise Knorr, Mao Vang Corne</a:t>
             </a:r>
+            <a:endParaRPr lang="en-US" dirty="0"/>
           </a:p>
         </p:txBody>
       </p:sp>
@@ -2045,13 +2055,7 @@
       </p:grpSpPr>
       <p:sp>
         <p:nvSpPr>
-          <p:cNvPr id="2" name="Title 1">
-            <a:extLst>
-              <a:ext uri="{FF2B5EF4-FFF2-40B4-BE49-F238E27FC236}">
-                <a16:creationId xmlns:a16="http://schemas.microsoft.com/office/drawing/2014/main" id="{FFEC921B-6EEE-465A-A39C-5D14319E4C02}"/>
-              </a:ext>
-            </a:extLst>
-          </p:cNvPr>
+          <p:cNvPr id="2" name="Title 1"/>
           <p:cNvSpPr>
             <a:spLocks noGrp="1"/>
           </p:cNvSpPr>
@@ -2070,13 +2074,7 @@
       </p:sp>
       <p:sp>
         <p:nvSpPr>
-          <p:cNvPr id="3" name="Slide Number Placeholder 2">
-            <a:extLst>
-              <a:ext uri="{FF2B5EF4-FFF2-40B4-BE49-F238E27FC236}">
-                <a16:creationId xmlns:a16="http://schemas.microsoft.com/office/drawing/2014/main" id="{1597E70A-E4E4-44E0-B6AE-CDB70AD68AE5}"/>
-              </a:ext>
-            </a:extLst>
-          </p:cNvPr>
+          <p:cNvPr id="3" name="Slide Number Placeholder 2"/>
           <p:cNvSpPr>
             <a:spLocks noGrp="1"/>
           </p:cNvSpPr>
@@ -2091,7 +2089,6 @@
           <a:p>
             <a:fld id="{567255F2-7D95-6D4F-8D41-D42AD07F8CE5}" type="slidenum">
               <a:rPr lang="en-US" smtClean="0"/>
-              <a:t>2</a:t>
             </a:fld>
             <a:endParaRPr lang="en-US" dirty="0"/>
           </a:p>
@@ -2099,20 +2096,14 @@
       </p:sp>
       <p:pic>
         <p:nvPicPr>
-          <p:cNvPr id="5" name="Picture 4" descr="A screenshot of a social media post&#10;&#10;Description automatically generated">
-            <a:extLst>
-              <a:ext uri="{FF2B5EF4-FFF2-40B4-BE49-F238E27FC236}">
-                <a16:creationId xmlns:a16="http://schemas.microsoft.com/office/drawing/2014/main" id="{0800025C-B40C-42C8-8A60-1848F435E258}"/>
-              </a:ext>
-            </a:extLst>
-          </p:cNvPr>
+          <p:cNvPr id="5" name="Picture 4" descr="A screenshot of a social media post&#10;&#10;Description automatically generated"/>
           <p:cNvPicPr>
             <a:picLocks noChangeAspect="1"/>
           </p:cNvPicPr>
           <p:nvPr/>
         </p:nvPicPr>
         <p:blipFill>
-          <a:blip r:embed="rId2"/>
+          <a:blip r:embed="rId1"/>
           <a:stretch>
             <a:fillRect/>
           </a:stretch>
@@ -2128,11 +2119,6 @@
         </p:spPr>
       </p:pic>
     </p:spTree>
-    <p:extLst>
-      <p:ext uri="{BB962C8B-B14F-4D97-AF65-F5344CB8AC3E}">
-        <p14:creationId xmlns:p14="http://schemas.microsoft.com/office/powerpoint/2010/main" val="416079768"/>
-      </p:ext>
-    </p:extLst>
   </p:cSld>
   <p:clrMapOvr>
     <a:masterClrMapping/>
@@ -2159,13 +2145,7 @@
       </p:grpSpPr>
       <p:sp>
         <p:nvSpPr>
-          <p:cNvPr id="2" name="Title 1">
-            <a:extLst>
-              <a:ext uri="{FF2B5EF4-FFF2-40B4-BE49-F238E27FC236}">
-                <a16:creationId xmlns:a16="http://schemas.microsoft.com/office/drawing/2014/main" id="{FFEC921B-6EEE-465A-A39C-5D14319E4C02}"/>
-              </a:ext>
-            </a:extLst>
-          </p:cNvPr>
+          <p:cNvPr id="2" name="Title 1"/>
           <p:cNvSpPr>
             <a:spLocks noGrp="1"/>
           </p:cNvSpPr>
@@ -2184,13 +2164,7 @@
       </p:sp>
       <p:sp>
         <p:nvSpPr>
-          <p:cNvPr id="3" name="Slide Number Placeholder 2">
-            <a:extLst>
-              <a:ext uri="{FF2B5EF4-FFF2-40B4-BE49-F238E27FC236}">
-                <a16:creationId xmlns:a16="http://schemas.microsoft.com/office/drawing/2014/main" id="{1597E70A-E4E4-44E0-B6AE-CDB70AD68AE5}"/>
-              </a:ext>
-            </a:extLst>
-          </p:cNvPr>
+          <p:cNvPr id="3" name="Slide Number Placeholder 2"/>
           <p:cNvSpPr>
             <a:spLocks noGrp="1"/>
           </p:cNvSpPr>
@@ -2205,7 +2179,6 @@
           <a:p>
             <a:fld id="{567255F2-7D95-6D4F-8D41-D42AD07F8CE5}" type="slidenum">
               <a:rPr lang="en-US" smtClean="0"/>
-              <a:t>3</a:t>
             </a:fld>
             <a:endParaRPr lang="en-US" dirty="0"/>
           </a:p>
@@ -2213,20 +2186,14 @@
       </p:sp>
       <p:pic>
         <p:nvPicPr>
-          <p:cNvPr id="5" name="Picture 4" descr="A screenshot of a cell phone&#10;&#10;Description automatically generated">
-            <a:extLst>
-              <a:ext uri="{FF2B5EF4-FFF2-40B4-BE49-F238E27FC236}">
-                <a16:creationId xmlns:a16="http://schemas.microsoft.com/office/drawing/2014/main" id="{21F298ED-BA7F-4BA5-9A1F-41CE80C630D0}"/>
-              </a:ext>
-            </a:extLst>
-          </p:cNvPr>
+          <p:cNvPr id="5" name="Picture 4" descr="A screenshot of a cell phone&#10;&#10;Description automatically generated"/>
           <p:cNvPicPr>
             <a:picLocks noChangeAspect="1"/>
           </p:cNvPicPr>
           <p:nvPr/>
         </p:nvPicPr>
         <p:blipFill>
-          <a:blip r:embed="rId2"/>
+          <a:blip r:embed="rId1"/>
           <a:stretch>
             <a:fillRect/>
           </a:stretch>
@@ -2242,11 +2209,6 @@
         </p:spPr>
       </p:pic>
     </p:spTree>
-    <p:extLst>
-      <p:ext uri="{BB962C8B-B14F-4D97-AF65-F5344CB8AC3E}">
-        <p14:creationId xmlns:p14="http://schemas.microsoft.com/office/powerpoint/2010/main" val="3597712182"/>
-      </p:ext>
-    </p:extLst>
   </p:cSld>
   <p:clrMapOvr>
     <a:masterClrMapping/>
@@ -2273,13 +2235,7 @@
       </p:grpSpPr>
       <p:sp>
         <p:nvSpPr>
-          <p:cNvPr id="2" name="Title 1">
-            <a:extLst>
-              <a:ext uri="{FF2B5EF4-FFF2-40B4-BE49-F238E27FC236}">
-                <a16:creationId xmlns:a16="http://schemas.microsoft.com/office/drawing/2014/main" id="{FFEC921B-6EEE-465A-A39C-5D14319E4C02}"/>
-              </a:ext>
-            </a:extLst>
-          </p:cNvPr>
+          <p:cNvPr id="2" name="Title 1"/>
           <p:cNvSpPr>
             <a:spLocks noGrp="1"/>
           </p:cNvSpPr>
@@ -2298,13 +2254,7 @@
       </p:sp>
       <p:sp>
         <p:nvSpPr>
-          <p:cNvPr id="3" name="Slide Number Placeholder 2">
-            <a:extLst>
-              <a:ext uri="{FF2B5EF4-FFF2-40B4-BE49-F238E27FC236}">
-                <a16:creationId xmlns:a16="http://schemas.microsoft.com/office/drawing/2014/main" id="{1597E70A-E4E4-44E0-B6AE-CDB70AD68AE5}"/>
-              </a:ext>
-            </a:extLst>
-          </p:cNvPr>
+          <p:cNvPr id="3" name="Slide Number Placeholder 2"/>
           <p:cNvSpPr>
             <a:spLocks noGrp="1"/>
           </p:cNvSpPr>
@@ -2319,7 +2269,6 @@
           <a:p>
             <a:fld id="{567255F2-7D95-6D4F-8D41-D42AD07F8CE5}" type="slidenum">
               <a:rPr lang="en-US" smtClean="0"/>
-              <a:t>4</a:t>
             </a:fld>
             <a:endParaRPr lang="en-US" dirty="0"/>
           </a:p>
@@ -2327,20 +2276,14 @@
       </p:sp>
       <p:pic>
         <p:nvPicPr>
-          <p:cNvPr id="5" name="Picture 4" descr="A screenshot of a social media post&#10;&#10;Description automatically generated">
-            <a:extLst>
-              <a:ext uri="{FF2B5EF4-FFF2-40B4-BE49-F238E27FC236}">
-                <a16:creationId xmlns:a16="http://schemas.microsoft.com/office/drawing/2014/main" id="{048EBEE2-16B1-4D9E-8137-396CB5540F41}"/>
-              </a:ext>
-            </a:extLst>
-          </p:cNvPr>
+          <p:cNvPr id="5" name="Picture 4" descr="A screenshot of a social media post&#10;&#10;Description automatically generated"/>
           <p:cNvPicPr>
             <a:picLocks noChangeAspect="1"/>
           </p:cNvPicPr>
           <p:nvPr/>
         </p:nvPicPr>
         <p:blipFill>
-          <a:blip r:embed="rId2"/>
+          <a:blip r:embed="rId1"/>
           <a:stretch>
             <a:fillRect/>
           </a:stretch>
@@ -2356,11 +2299,6 @@
         </p:spPr>
       </p:pic>
     </p:spTree>
-    <p:extLst>
-      <p:ext uri="{BB962C8B-B14F-4D97-AF65-F5344CB8AC3E}">
-        <p14:creationId xmlns:p14="http://schemas.microsoft.com/office/powerpoint/2010/main" val="1442352506"/>
-      </p:ext>
-    </p:extLst>
   </p:cSld>
   <p:clrMapOvr>
     <a:masterClrMapping/>
@@ -2387,13 +2325,7 @@
       </p:grpSpPr>
       <p:sp>
         <p:nvSpPr>
-          <p:cNvPr id="2" name="Title 1">
-            <a:extLst>
-              <a:ext uri="{FF2B5EF4-FFF2-40B4-BE49-F238E27FC236}">
-                <a16:creationId xmlns:a16="http://schemas.microsoft.com/office/drawing/2014/main" id="{AC42279B-01F9-4D66-A189-0EAAC458219D}"/>
-              </a:ext>
-            </a:extLst>
-          </p:cNvPr>
+          <p:cNvPr id="2" name="Title 1"/>
           <p:cNvSpPr>
             <a:spLocks noGrp="1"/>
           </p:cNvSpPr>
@@ -2412,13 +2344,7 @@
       </p:sp>
       <p:sp>
         <p:nvSpPr>
-          <p:cNvPr id="3" name="Slide Number Placeholder 2">
-            <a:extLst>
-              <a:ext uri="{FF2B5EF4-FFF2-40B4-BE49-F238E27FC236}">
-                <a16:creationId xmlns:a16="http://schemas.microsoft.com/office/drawing/2014/main" id="{8CFBE631-50E3-4A37-98BA-CC034CED8F51}"/>
-              </a:ext>
-            </a:extLst>
-          </p:cNvPr>
+          <p:cNvPr id="3" name="Slide Number Placeholder 2"/>
           <p:cNvSpPr>
             <a:spLocks noGrp="1"/>
           </p:cNvSpPr>
@@ -2433,7 +2359,6 @@
           <a:p>
             <a:fld id="{567255F2-7D95-6D4F-8D41-D42AD07F8CE5}" type="slidenum">
               <a:rPr lang="en-US" smtClean="0"/>
-              <a:t>5</a:t>
             </a:fld>
             <a:endParaRPr lang="en-US" dirty="0"/>
           </a:p>
@@ -2441,20 +2366,14 @@
       </p:sp>
       <p:pic>
         <p:nvPicPr>
-          <p:cNvPr id="5" name="Picture 4" descr="A screenshot of a cell phone&#10;&#10;Description automatically generated">
-            <a:extLst>
-              <a:ext uri="{FF2B5EF4-FFF2-40B4-BE49-F238E27FC236}">
-                <a16:creationId xmlns:a16="http://schemas.microsoft.com/office/drawing/2014/main" id="{FF390644-7BFE-482B-8667-A5F0942BF2AF}"/>
-              </a:ext>
-            </a:extLst>
-          </p:cNvPr>
+          <p:cNvPr id="5" name="Picture 4" descr="A screenshot of a cell phone&#10;&#10;Description automatically generated"/>
           <p:cNvPicPr>
             <a:picLocks noChangeAspect="1"/>
           </p:cNvPicPr>
           <p:nvPr/>
         </p:nvPicPr>
         <p:blipFill>
-          <a:blip r:embed="rId2"/>
+          <a:blip r:embed="rId1"/>
           <a:stretch>
             <a:fillRect/>
           </a:stretch>
@@ -2470,11 +2389,6 @@
         </p:spPr>
       </p:pic>
     </p:spTree>
-    <p:extLst>
-      <p:ext uri="{BB962C8B-B14F-4D97-AF65-F5344CB8AC3E}">
-        <p14:creationId xmlns:p14="http://schemas.microsoft.com/office/powerpoint/2010/main" val="2303398401"/>
-      </p:ext>
-    </p:extLst>
   </p:cSld>
   <p:clrMapOvr>
     <a:masterClrMapping/>
@@ -2501,13 +2415,7 @@
       </p:grpSpPr>
       <p:sp>
         <p:nvSpPr>
-          <p:cNvPr id="2" name="Title 1">
-            <a:extLst>
-              <a:ext uri="{FF2B5EF4-FFF2-40B4-BE49-F238E27FC236}">
-                <a16:creationId xmlns:a16="http://schemas.microsoft.com/office/drawing/2014/main" id="{FFEC921B-6EEE-465A-A39C-5D14319E4C02}"/>
-              </a:ext>
-            </a:extLst>
-          </p:cNvPr>
+          <p:cNvPr id="2" name="Title 1"/>
           <p:cNvSpPr>
             <a:spLocks noGrp="1"/>
           </p:cNvSpPr>
@@ -2526,13 +2434,7 @@
       </p:sp>
       <p:sp>
         <p:nvSpPr>
-          <p:cNvPr id="3" name="Slide Number Placeholder 2">
-            <a:extLst>
-              <a:ext uri="{FF2B5EF4-FFF2-40B4-BE49-F238E27FC236}">
-                <a16:creationId xmlns:a16="http://schemas.microsoft.com/office/drawing/2014/main" id="{1597E70A-E4E4-44E0-B6AE-CDB70AD68AE5}"/>
-              </a:ext>
-            </a:extLst>
-          </p:cNvPr>
+          <p:cNvPr id="3" name="Slide Number Placeholder 2"/>
           <p:cNvSpPr>
             <a:spLocks noGrp="1"/>
           </p:cNvSpPr>
@@ -2547,7 +2449,6 @@
           <a:p>
             <a:fld id="{567255F2-7D95-6D4F-8D41-D42AD07F8CE5}" type="slidenum">
               <a:rPr lang="en-US" smtClean="0"/>
-              <a:t>6</a:t>
             </a:fld>
             <a:endParaRPr lang="en-US" dirty="0"/>
           </a:p>
@@ -2555,20 +2456,14 @@
       </p:sp>
       <p:pic>
         <p:nvPicPr>
-          <p:cNvPr id="5" name="Picture 4" descr="A screenshot of a social media post&#10;&#10;Description automatically generated">
-            <a:extLst>
-              <a:ext uri="{FF2B5EF4-FFF2-40B4-BE49-F238E27FC236}">
-                <a16:creationId xmlns:a16="http://schemas.microsoft.com/office/drawing/2014/main" id="{0800025C-B40C-42C8-8A60-1848F435E258}"/>
-              </a:ext>
-            </a:extLst>
-          </p:cNvPr>
+          <p:cNvPr id="5" name="Picture 4" descr="A screenshot of a social media post&#10;&#10;Description automatically generated"/>
           <p:cNvPicPr>
             <a:picLocks noChangeAspect="1"/>
           </p:cNvPicPr>
           <p:nvPr/>
         </p:nvPicPr>
         <p:blipFill>
-          <a:blip r:embed="rId2"/>
+          <a:blip r:embed="rId1"/>
           <a:stretch>
             <a:fillRect/>
           </a:stretch>
@@ -2584,11 +2479,6 @@
         </p:spPr>
       </p:pic>
     </p:spTree>
-    <p:extLst>
-      <p:ext uri="{BB962C8B-B14F-4D97-AF65-F5344CB8AC3E}">
-        <p14:creationId xmlns:p14="http://schemas.microsoft.com/office/powerpoint/2010/main" val="3038805825"/>
-      </p:ext>
-    </p:extLst>
   </p:cSld>
   <p:clrMapOvr>
     <a:masterClrMapping/>
@@ -2615,13 +2505,7 @@
       </p:grpSpPr>
       <p:sp>
         <p:nvSpPr>
-          <p:cNvPr id="2" name="Title 1">
-            <a:extLst>
-              <a:ext uri="{FF2B5EF4-FFF2-40B4-BE49-F238E27FC236}">
-                <a16:creationId xmlns:a16="http://schemas.microsoft.com/office/drawing/2014/main" id="{FFEC921B-6EEE-465A-A39C-5D14319E4C02}"/>
-              </a:ext>
-            </a:extLst>
-          </p:cNvPr>
+          <p:cNvPr id="2" name="Title 1"/>
           <p:cNvSpPr>
             <a:spLocks noGrp="1"/>
           </p:cNvSpPr>
@@ -2640,13 +2524,7 @@
       </p:sp>
       <p:sp>
         <p:nvSpPr>
-          <p:cNvPr id="3" name="Slide Number Placeholder 2">
-            <a:extLst>
-              <a:ext uri="{FF2B5EF4-FFF2-40B4-BE49-F238E27FC236}">
-                <a16:creationId xmlns:a16="http://schemas.microsoft.com/office/drawing/2014/main" id="{1597E70A-E4E4-44E0-B6AE-CDB70AD68AE5}"/>
-              </a:ext>
-            </a:extLst>
-          </p:cNvPr>
+          <p:cNvPr id="3" name="Slide Number Placeholder 2"/>
           <p:cNvSpPr>
             <a:spLocks noGrp="1"/>
           </p:cNvSpPr>
@@ -2661,7 +2539,6 @@
           <a:p>
             <a:fld id="{567255F2-7D95-6D4F-8D41-D42AD07F8CE5}" type="slidenum">
               <a:rPr lang="en-US" smtClean="0"/>
-              <a:t>7</a:t>
             </a:fld>
             <a:endParaRPr lang="en-US" dirty="0"/>
           </a:p>
@@ -2669,20 +2546,14 @@
       </p:sp>
       <p:pic>
         <p:nvPicPr>
-          <p:cNvPr id="7" name="Picture 6" descr="A screenshot of a social media post&#10;&#10;Description automatically generated">
-            <a:extLst>
-              <a:ext uri="{FF2B5EF4-FFF2-40B4-BE49-F238E27FC236}">
-                <a16:creationId xmlns:a16="http://schemas.microsoft.com/office/drawing/2014/main" id="{81EDF7E5-6C1A-4B1B-97DD-3E9FAF4E2DAF}"/>
-              </a:ext>
-            </a:extLst>
-          </p:cNvPr>
+          <p:cNvPr id="7" name="Picture 6" descr="A screenshot of a social media post&#10;&#10;Description automatically generated"/>
           <p:cNvPicPr>
             <a:picLocks noChangeAspect="1"/>
           </p:cNvPicPr>
           <p:nvPr/>
         </p:nvPicPr>
         <p:blipFill>
-          <a:blip r:embed="rId2"/>
+          <a:blip r:embed="rId1"/>
           <a:stretch>
             <a:fillRect/>
           </a:stretch>
@@ -2698,11 +2569,6 @@
         </p:spPr>
       </p:pic>
     </p:spTree>
-    <p:extLst>
-      <p:ext uri="{BB962C8B-B14F-4D97-AF65-F5344CB8AC3E}">
-        <p14:creationId xmlns:p14="http://schemas.microsoft.com/office/powerpoint/2010/main" val="162197544"/>
-      </p:ext>
-    </p:extLst>
   </p:cSld>
   <p:clrMapOvr>
     <a:masterClrMapping/>
@@ -2729,13 +2595,7 @@
       </p:grpSpPr>
       <p:sp>
         <p:nvSpPr>
-          <p:cNvPr id="2" name="Title 1">
-            <a:extLst>
-              <a:ext uri="{FF2B5EF4-FFF2-40B4-BE49-F238E27FC236}">
-                <a16:creationId xmlns:a16="http://schemas.microsoft.com/office/drawing/2014/main" id="{FFEC921B-6EEE-465A-A39C-5D14319E4C02}"/>
-              </a:ext>
-            </a:extLst>
-          </p:cNvPr>
+          <p:cNvPr id="2" name="Title 1"/>
           <p:cNvSpPr>
             <a:spLocks noGrp="1"/>
           </p:cNvSpPr>
@@ -2754,13 +2614,7 @@
       </p:sp>
       <p:sp>
         <p:nvSpPr>
-          <p:cNvPr id="3" name="Slide Number Placeholder 2">
-            <a:extLst>
-              <a:ext uri="{FF2B5EF4-FFF2-40B4-BE49-F238E27FC236}">
-                <a16:creationId xmlns:a16="http://schemas.microsoft.com/office/drawing/2014/main" id="{1597E70A-E4E4-44E0-B6AE-CDB70AD68AE5}"/>
-              </a:ext>
-            </a:extLst>
-          </p:cNvPr>
+          <p:cNvPr id="3" name="Slide Number Placeholder 2"/>
           <p:cNvSpPr>
             <a:spLocks noGrp="1"/>
           </p:cNvSpPr>
@@ -2775,7 +2629,6 @@
           <a:p>
             <a:fld id="{567255F2-7D95-6D4F-8D41-D42AD07F8CE5}" type="slidenum">
               <a:rPr lang="en-US" smtClean="0"/>
-              <a:t>8</a:t>
             </a:fld>
             <a:endParaRPr lang="en-US" dirty="0"/>
           </a:p>
@@ -2783,20 +2636,14 @@
       </p:sp>
       <p:pic>
         <p:nvPicPr>
-          <p:cNvPr id="7" name="Picture 6" descr="A screenshot of a cell phone&#10;&#10;Description automatically generated">
-            <a:extLst>
-              <a:ext uri="{FF2B5EF4-FFF2-40B4-BE49-F238E27FC236}">
-                <a16:creationId xmlns:a16="http://schemas.microsoft.com/office/drawing/2014/main" id="{FCCFDC69-290D-47FC-B3E7-28C0C1BF977D}"/>
-              </a:ext>
-            </a:extLst>
-          </p:cNvPr>
+          <p:cNvPr id="7" name="Picture 6" descr="A screenshot of a cell phone&#10;&#10;Description automatically generated"/>
           <p:cNvPicPr>
             <a:picLocks noChangeAspect="1"/>
           </p:cNvPicPr>
           <p:nvPr/>
         </p:nvPicPr>
         <p:blipFill>
-          <a:blip r:embed="rId2"/>
+          <a:blip r:embed="rId1"/>
           <a:stretch>
             <a:fillRect/>
           </a:stretch>
@@ -2812,11 +2659,6 @@
         </p:spPr>
       </p:pic>
     </p:spTree>
-    <p:extLst>
-      <p:ext uri="{BB962C8B-B14F-4D97-AF65-F5344CB8AC3E}">
-        <p14:creationId xmlns:p14="http://schemas.microsoft.com/office/powerpoint/2010/main" val="646063141"/>
-      </p:ext>
-    </p:extLst>
   </p:cSld>
   <p:clrMapOvr>
     <a:masterClrMapping/>
@@ -2843,13 +2685,7 @@
       </p:grpSpPr>
       <p:sp>
         <p:nvSpPr>
-          <p:cNvPr id="2" name="Title 1">
-            <a:extLst>
-              <a:ext uri="{FF2B5EF4-FFF2-40B4-BE49-F238E27FC236}">
-                <a16:creationId xmlns:a16="http://schemas.microsoft.com/office/drawing/2014/main" id="{26E827A0-5136-4A9B-8D3A-4532F6B83AED}"/>
-              </a:ext>
-            </a:extLst>
-          </p:cNvPr>
+          <p:cNvPr id="2" name="Title 1"/>
           <p:cNvSpPr>
             <a:spLocks noGrp="1"/>
           </p:cNvSpPr>
@@ -2868,13 +2704,7 @@
       </p:sp>
       <p:sp>
         <p:nvSpPr>
-          <p:cNvPr id="3" name="Slide Number Placeholder 2">
-            <a:extLst>
-              <a:ext uri="{FF2B5EF4-FFF2-40B4-BE49-F238E27FC236}">
-                <a16:creationId xmlns:a16="http://schemas.microsoft.com/office/drawing/2014/main" id="{87CB7DFD-5186-4475-B67C-FAB82E9223C0}"/>
-              </a:ext>
-            </a:extLst>
-          </p:cNvPr>
+          <p:cNvPr id="3" name="Slide Number Placeholder 2"/>
           <p:cNvSpPr>
             <a:spLocks noGrp="1"/>
           </p:cNvSpPr>
@@ -2889,7 +2719,6 @@
           <a:p>
             <a:fld id="{567255F2-7D95-6D4F-8D41-D42AD07F8CE5}" type="slidenum">
               <a:rPr lang="en-US" smtClean="0"/>
-              <a:t>9</a:t>
             </a:fld>
             <a:endParaRPr lang="en-US" dirty="0"/>
           </a:p>
@@ -2897,20 +2726,14 @@
       </p:sp>
       <p:pic>
         <p:nvPicPr>
-          <p:cNvPr id="5" name="Picture 4" descr="A screenshot of a social media post&#10;&#10;Description automatically generated">
-            <a:extLst>
-              <a:ext uri="{FF2B5EF4-FFF2-40B4-BE49-F238E27FC236}">
-                <a16:creationId xmlns:a16="http://schemas.microsoft.com/office/drawing/2014/main" id="{156C68A8-972C-4AF5-ADEE-A1D2FBA2EC31}"/>
-              </a:ext>
-            </a:extLst>
-          </p:cNvPr>
+          <p:cNvPr id="5" name="Picture 4" descr="A screenshot of a social media post&#10;&#10;Description automatically generated"/>
           <p:cNvPicPr>
             <a:picLocks noChangeAspect="1"/>
           </p:cNvPicPr>
           <p:nvPr/>
         </p:nvPicPr>
         <p:blipFill>
-          <a:blip r:embed="rId2"/>
+          <a:blip r:embed="rId1"/>
           <a:stretch>
             <a:fillRect/>
           </a:stretch>
@@ -2926,11 +2749,6 @@
         </p:spPr>
       </p:pic>
     </p:spTree>
-    <p:extLst>
-      <p:ext uri="{BB962C8B-B14F-4D97-AF65-F5344CB8AC3E}">
-        <p14:creationId xmlns:p14="http://schemas.microsoft.com/office/powerpoint/2010/main" val="629415321"/>
-      </p:ext>
-    </p:extLst>
   </p:cSld>
   <p:clrMapOvr>
     <a:masterClrMapping/>
@@ -3189,8 +3007,6 @@
       </a:bgFillStyleLst>
     </a:fmtScheme>
   </a:themeElements>
-  <a:objectDefaults/>
-  <a:extraClrSchemeLst/>
   <a:extLst>
     <a:ext uri="{05A4C25C-085E-4340-85A3-A5531E510DB2}">
       <thm15:themeFamily xmlns:thm15="http://schemas.microsoft.com/office/thememl/2012/main" name="Office Theme" id="{62F939B6-93AF-4DB8-9C6B-D6C7DFDC589F}" vid="{4A3C46E8-61CC-4603-A589-7422A47A8E4A}"/>
@@ -3450,8 +3266,6 @@
       </a:bgFillStyleLst>
     </a:fmtScheme>
   </a:themeElements>
-  <a:objectDefaults/>
-  <a:extraClrSchemeLst/>
   <a:extLst>
     <a:ext uri="{05A4C25C-085E-4340-85A3-A5531E510DB2}">
       <thm15:themeFamily xmlns:thm15="http://schemas.microsoft.com/office/thememl/2012/main" name="Office Theme" id="{62F939B6-93AF-4DB8-9C6B-D6C7DFDC589F}" vid="{4A3C46E8-61CC-4603-A589-7422A47A8E4A}"/>
